--- a/Compiler Project 4 presentation.pptx
+++ b/Compiler Project 4 presentation.pptx
@@ -6,7 +6,8 @@
   </p:sldMasterIdLst>
   <p:sldIdLst>
     <p:sldId id="256" r:id="rId2"/>
-    <p:sldId id="257" r:id="rId3"/>
+    <p:sldId id="258" r:id="rId3"/>
+    <p:sldId id="257" r:id="rId4"/>
   </p:sldIdLst>
   <p:sldSz cx="12192000" cy="6858000"/>
   <p:notesSz cx="6858000" cy="9144000"/>
@@ -3415,6 +3416,92 @@
           <p:cNvPr id="2" name="Title 1">
             <a:extLst>
               <a:ext uri="{FF2B5EF4-FFF2-40B4-BE49-F238E27FC236}">
+                <a16:creationId xmlns:a16="http://schemas.microsoft.com/office/drawing/2014/main" id="{4069375B-1EC5-4F87-ABA4-AA6E4E196FFE}"/>
+              </a:ext>
+            </a:extLst>
+          </p:cNvPr>
+          <p:cNvSpPr>
+            <a:spLocks noGrp="1"/>
+          </p:cNvSpPr>
+          <p:nvPr>
+            <p:ph type="title"/>
+          </p:nvPr>
+        </p:nvSpPr>
+        <p:spPr/>
+        <p:txBody>
+          <a:bodyPr/>
+          <a:lstStyle/>
+          <a:p>
+            <a:r>
+              <a:rPr lang="en-US" dirty="0"/>
+              <a:t>Goal</a:t>
+            </a:r>
+          </a:p>
+        </p:txBody>
+      </p:sp>
+      <p:sp>
+        <p:nvSpPr>
+          <p:cNvPr id="3" name="Content Placeholder 2">
+            <a:extLst>
+              <a:ext uri="{FF2B5EF4-FFF2-40B4-BE49-F238E27FC236}">
+                <a16:creationId xmlns:a16="http://schemas.microsoft.com/office/drawing/2014/main" id="{37A24C64-07E9-43C7-AD65-2F8021FB910C}"/>
+              </a:ext>
+            </a:extLst>
+          </p:cNvPr>
+          <p:cNvSpPr>
+            <a:spLocks noGrp="1"/>
+          </p:cNvSpPr>
+          <p:nvPr>
+            <p:ph idx="1"/>
+          </p:nvPr>
+        </p:nvSpPr>
+        <p:spPr/>
+        <p:txBody>
+          <a:bodyPr/>
+          <a:lstStyle/>
+          <a:p>
+            <a:r>
+              <a:rPr lang="en-US" dirty="0"/>
+              <a:t>Identify all basic blocks in the input program, and for each basic block identified, build a value number table and use the table to eliminate redundant evaluations inside each basic block. </a:t>
+            </a:r>
+          </a:p>
+        </p:txBody>
+      </p:sp>
+    </p:spTree>
+    <p:extLst>
+      <p:ext uri="{BB962C8B-B14F-4D97-AF65-F5344CB8AC3E}">
+        <p14:creationId xmlns:p14="http://schemas.microsoft.com/office/powerpoint/2010/main" val="826778654"/>
+      </p:ext>
+    </p:extLst>
+  </p:cSld>
+  <p:clrMapOvr>
+    <a:masterClrMapping/>
+  </p:clrMapOvr>
+</p:sld>
+</file>
+
+<file path=ppt/slides/slide3.xml><?xml version="1.0" encoding="utf-8"?>
+<p:sld xmlns:a="http://schemas.openxmlformats.org/drawingml/2006/main" xmlns:r="http://schemas.openxmlformats.org/officeDocument/2006/relationships" xmlns:p="http://schemas.openxmlformats.org/presentationml/2006/main">
+  <p:cSld>
+    <p:spTree>
+      <p:nvGrpSpPr>
+        <p:cNvPr id="1" name=""/>
+        <p:cNvGrpSpPr/>
+        <p:nvPr/>
+      </p:nvGrpSpPr>
+      <p:grpSpPr>
+        <a:xfrm>
+          <a:off x="0" y="0"/>
+          <a:ext cx="0" cy="0"/>
+          <a:chOff x="0" y="0"/>
+          <a:chExt cx="0" cy="0"/>
+        </a:xfrm>
+      </p:grpSpPr>
+      <p:sp>
+        <p:nvSpPr>
+          <p:cNvPr id="2" name="Title 1">
+            <a:extLst>
+              <a:ext uri="{FF2B5EF4-FFF2-40B4-BE49-F238E27FC236}">
                 <a16:creationId xmlns:a16="http://schemas.microsoft.com/office/drawing/2014/main" id="{61743C93-9F53-41A8-95B7-45301D3A1786}"/>
               </a:ext>
             </a:extLst>
@@ -3431,35 +3518,41 @@
           <a:bodyPr/>
           <a:lstStyle/>
           <a:p>
+            <a:endParaRPr lang="en-US" dirty="0"/>
+          </a:p>
+        </p:txBody>
+      </p:sp>
+      <p:sp>
+        <p:nvSpPr>
+          <p:cNvPr id="3" name="Content Placeholder 2">
+            <a:extLst>
+              <a:ext uri="{FF2B5EF4-FFF2-40B4-BE49-F238E27FC236}">
+                <a16:creationId xmlns:a16="http://schemas.microsoft.com/office/drawing/2014/main" id="{1FB5A187-A162-4D70-B7D4-134883635C81}"/>
+              </a:ext>
+            </a:extLst>
+          </p:cNvPr>
+          <p:cNvSpPr>
+            <a:spLocks noGrp="1"/>
+          </p:cNvSpPr>
+          <p:nvPr>
+            <p:ph idx="1"/>
+          </p:nvPr>
+        </p:nvSpPr>
+        <p:spPr/>
+        <p:txBody>
+          <a:bodyPr/>
+          <a:lstStyle/>
+          <a:p>
             <a:r>
               <a:rPr lang="en-US" dirty="0"/>
-              <a:t>Objective</a:t>
-            </a:r>
-          </a:p>
-        </p:txBody>
-      </p:sp>
-      <p:sp>
-        <p:nvSpPr>
-          <p:cNvPr id="3" name="Content Placeholder 2">
-            <a:extLst>
-              <a:ext uri="{FF2B5EF4-FFF2-40B4-BE49-F238E27FC236}">
-                <a16:creationId xmlns:a16="http://schemas.microsoft.com/office/drawing/2014/main" id="{1FB5A187-A162-4D70-B7D4-134883635C81}"/>
-              </a:ext>
-            </a:extLst>
-          </p:cNvPr>
-          <p:cNvSpPr>
-            <a:spLocks noGrp="1"/>
-          </p:cNvSpPr>
-          <p:nvPr>
-            <p:ph idx="1"/>
-          </p:nvPr>
-        </p:nvSpPr>
-        <p:spPr/>
-        <p:txBody>
-          <a:bodyPr/>
-          <a:lstStyle/>
-          <a:p>
-            <a:endParaRPr lang="en-US"/>
+              <a:t>C front</a:t>
+            </a:r>
+          </a:p>
+          <a:p>
+            <a:r>
+              <a:rPr lang="en-US" dirty="0"/>
+              <a:t>Project 3</a:t>
+            </a:r>
           </a:p>
         </p:txBody>
       </p:sp>

--- a/Compiler Project 4 presentation.pptx
+++ b/Compiler Project 4 presentation.pptx
@@ -7,7 +7,15 @@
   <p:sldIdLst>
     <p:sldId id="256" r:id="rId2"/>
     <p:sldId id="258" r:id="rId3"/>
-    <p:sldId id="257" r:id="rId4"/>
+    <p:sldId id="264" r:id="rId4"/>
+    <p:sldId id="268" r:id="rId5"/>
+    <p:sldId id="260" r:id="rId6"/>
+    <p:sldId id="261" r:id="rId7"/>
+    <p:sldId id="262" r:id="rId8"/>
+    <p:sldId id="263" r:id="rId9"/>
+    <p:sldId id="265" r:id="rId10"/>
+    <p:sldId id="266" r:id="rId11"/>
+    <p:sldId id="257" r:id="rId12"/>
   </p:sldIdLst>
   <p:sldSz cx="12192000" cy="6858000"/>
   <p:notesSz cx="6858000" cy="9144000"/>
@@ -106,7 +114,16 @@
       </a:defRPr>
     </a:lvl9pPr>
   </p:defaultTextStyle>
+  <p:extLst>
+    <p:ext uri="{EFAFB233-063F-42B5-8137-9DF3F51BA10A}">
+      <p15:sldGuideLst xmlns:p15="http://schemas.microsoft.com/office/powerpoint/2012/main"/>
+    </p:ext>
+  </p:extLst>
 </p:presentation>
+</file>
+
+<file path=ppt/revisionInfo.xml><?xml version="1.0" encoding="utf-8"?>
+<p1510:revInfo xmlns:a="http://schemas.openxmlformats.org/drawingml/2006/main" xmlns:r="http://schemas.openxmlformats.org/officeDocument/2006/relationships" xmlns:p1510="http://schemas.microsoft.com/office/powerpoint/2015/10/main"/>
 </file>
 
 <file path=ppt/slideLayouts/slideLayout1.xml><?xml version="1.0" encoding="utf-8"?>
@@ -3394,6 +3411,175 @@
 </p:sld>
 </file>
 
+<file path=ppt/slides/slide10.xml><?xml version="1.0" encoding="utf-8"?>
+<p:sld xmlns:a="http://schemas.openxmlformats.org/drawingml/2006/main" xmlns:r="http://schemas.openxmlformats.org/officeDocument/2006/relationships" xmlns:p="http://schemas.openxmlformats.org/presentationml/2006/main">
+  <p:cSld>
+    <p:spTree>
+      <p:nvGrpSpPr>
+        <p:cNvPr id="1" name=""/>
+        <p:cNvGrpSpPr/>
+        <p:nvPr/>
+      </p:nvGrpSpPr>
+      <p:grpSpPr>
+        <a:xfrm>
+          <a:off x="0" y="0"/>
+          <a:ext cx="0" cy="0"/>
+          <a:chOff x="0" y="0"/>
+          <a:chExt cx="0" cy="0"/>
+        </a:xfrm>
+      </p:grpSpPr>
+      <p:sp>
+        <p:nvSpPr>
+          <p:cNvPr id="2" name="Title 1">
+            <a:extLst>
+              <a:ext uri="{FF2B5EF4-FFF2-40B4-BE49-F238E27FC236}">
+                <a16:creationId xmlns:a16="http://schemas.microsoft.com/office/drawing/2014/main" id="{1AC9C84A-76AE-4803-B63D-74AB3FD9B972}"/>
+              </a:ext>
+            </a:extLst>
+          </p:cNvPr>
+          <p:cNvSpPr>
+            <a:spLocks noGrp="1"/>
+          </p:cNvSpPr>
+          <p:nvPr>
+            <p:ph type="title"/>
+          </p:nvPr>
+        </p:nvSpPr>
+        <p:spPr/>
+        <p:txBody>
+          <a:bodyPr/>
+          <a:lstStyle/>
+          <a:p>
+            <a:endParaRPr lang="en-US"/>
+          </a:p>
+        </p:txBody>
+      </p:sp>
+      <p:sp>
+        <p:nvSpPr>
+          <p:cNvPr id="3" name="Content Placeholder 2">
+            <a:extLst>
+              <a:ext uri="{FF2B5EF4-FFF2-40B4-BE49-F238E27FC236}">
+                <a16:creationId xmlns:a16="http://schemas.microsoft.com/office/drawing/2014/main" id="{CEADC427-58AF-42C3-A03F-D889ACFFF741}"/>
+              </a:ext>
+            </a:extLst>
+          </p:cNvPr>
+          <p:cNvSpPr>
+            <a:spLocks noGrp="1"/>
+          </p:cNvSpPr>
+          <p:nvPr>
+            <p:ph idx="1"/>
+          </p:nvPr>
+        </p:nvSpPr>
+        <p:spPr/>
+        <p:txBody>
+          <a:bodyPr/>
+          <a:lstStyle/>
+          <a:p>
+            <a:endParaRPr lang="en-US"/>
+          </a:p>
+        </p:txBody>
+      </p:sp>
+    </p:spTree>
+    <p:extLst>
+      <p:ext uri="{BB962C8B-B14F-4D97-AF65-F5344CB8AC3E}">
+        <p14:creationId xmlns:p14="http://schemas.microsoft.com/office/powerpoint/2010/main" val="1327898209"/>
+      </p:ext>
+    </p:extLst>
+  </p:cSld>
+  <p:clrMapOvr>
+    <a:masterClrMapping/>
+  </p:clrMapOvr>
+</p:sld>
+</file>
+
+<file path=ppt/slides/slide11.xml><?xml version="1.0" encoding="utf-8"?>
+<p:sld xmlns:a="http://schemas.openxmlformats.org/drawingml/2006/main" xmlns:r="http://schemas.openxmlformats.org/officeDocument/2006/relationships" xmlns:p="http://schemas.openxmlformats.org/presentationml/2006/main">
+  <p:cSld>
+    <p:spTree>
+      <p:nvGrpSpPr>
+        <p:cNvPr id="1" name=""/>
+        <p:cNvGrpSpPr/>
+        <p:nvPr/>
+      </p:nvGrpSpPr>
+      <p:grpSpPr>
+        <a:xfrm>
+          <a:off x="0" y="0"/>
+          <a:ext cx="0" cy="0"/>
+          <a:chOff x="0" y="0"/>
+          <a:chExt cx="0" cy="0"/>
+        </a:xfrm>
+      </p:grpSpPr>
+      <p:sp>
+        <p:nvSpPr>
+          <p:cNvPr id="2" name="Title 1">
+            <a:extLst>
+              <a:ext uri="{FF2B5EF4-FFF2-40B4-BE49-F238E27FC236}">
+                <a16:creationId xmlns:a16="http://schemas.microsoft.com/office/drawing/2014/main" id="{61743C93-9F53-41A8-95B7-45301D3A1786}"/>
+              </a:ext>
+            </a:extLst>
+          </p:cNvPr>
+          <p:cNvSpPr>
+            <a:spLocks noGrp="1"/>
+          </p:cNvSpPr>
+          <p:nvPr>
+            <p:ph type="title"/>
+          </p:nvPr>
+        </p:nvSpPr>
+        <p:spPr/>
+        <p:txBody>
+          <a:bodyPr/>
+          <a:lstStyle/>
+          <a:p>
+            <a:endParaRPr lang="en-US" dirty="0"/>
+          </a:p>
+        </p:txBody>
+      </p:sp>
+      <p:sp>
+        <p:nvSpPr>
+          <p:cNvPr id="3" name="Content Placeholder 2">
+            <a:extLst>
+              <a:ext uri="{FF2B5EF4-FFF2-40B4-BE49-F238E27FC236}">
+                <a16:creationId xmlns:a16="http://schemas.microsoft.com/office/drawing/2014/main" id="{1FB5A187-A162-4D70-B7D4-134883635C81}"/>
+              </a:ext>
+            </a:extLst>
+          </p:cNvPr>
+          <p:cNvSpPr>
+            <a:spLocks noGrp="1"/>
+          </p:cNvSpPr>
+          <p:nvPr>
+            <p:ph idx="1"/>
+          </p:nvPr>
+        </p:nvSpPr>
+        <p:spPr/>
+        <p:txBody>
+          <a:bodyPr/>
+          <a:lstStyle/>
+          <a:p>
+            <a:r>
+              <a:rPr lang="en-US" dirty="0"/>
+              <a:t>C front</a:t>
+            </a:r>
+          </a:p>
+          <a:p>
+            <a:r>
+              <a:rPr lang="en-US" dirty="0"/>
+              <a:t>Project 3</a:t>
+            </a:r>
+          </a:p>
+        </p:txBody>
+      </p:sp>
+    </p:spTree>
+    <p:extLst>
+      <p:ext uri="{BB962C8B-B14F-4D97-AF65-F5344CB8AC3E}">
+        <p14:creationId xmlns:p14="http://schemas.microsoft.com/office/powerpoint/2010/main" val="334356355"/>
+      </p:ext>
+    </p:extLst>
+  </p:cSld>
+  <p:clrMapOvr>
+    <a:masterClrMapping/>
+  </p:clrMapOvr>
+</p:sld>
+</file>
+
 <file path=ppt/slides/slide2.xml><?xml version="1.0" encoding="utf-8"?>
 <p:sld xmlns:a="http://schemas.openxmlformats.org/drawingml/2006/main" xmlns:r="http://schemas.openxmlformats.org/officeDocument/2006/relationships" xmlns:p="http://schemas.openxmlformats.org/presentationml/2006/main">
   <p:cSld>
@@ -3434,7 +3620,7 @@
           <a:p>
             <a:r>
               <a:rPr lang="en-US" dirty="0"/>
-              <a:t>Goal</a:t>
+              <a:t>Goals</a:t>
             </a:r>
           </a:p>
         </p:txBody>
@@ -3459,6 +3645,18 @@
         <p:txBody>
           <a:bodyPr/>
           <a:lstStyle/>
+          <a:p>
+            <a:r>
+              <a:rPr lang="en-US" dirty="0"/>
+              <a:t>Implement control-flow graph and obtain basic blocks for value numbering first</a:t>
+            </a:r>
+          </a:p>
+          <a:p>
+            <a:r>
+              <a:rPr lang="en-US" dirty="0"/>
+              <a:t>Implement local redundancy elimination for basic blocks using value numbering</a:t>
+            </a:r>
+          </a:p>
           <a:p>
             <a:r>
               <a:rPr lang="en-US" dirty="0"/>
@@ -3502,7 +3700,7 @@
           <p:cNvPr id="2" name="Title 1">
             <a:extLst>
               <a:ext uri="{FF2B5EF4-FFF2-40B4-BE49-F238E27FC236}">
-                <a16:creationId xmlns:a16="http://schemas.microsoft.com/office/drawing/2014/main" id="{61743C93-9F53-41A8-95B7-45301D3A1786}"/>
+                <a16:creationId xmlns:a16="http://schemas.microsoft.com/office/drawing/2014/main" id="{60E23893-5EBB-4C64-8DF7-A3F9DC1825E9}"/>
               </a:ext>
             </a:extLst>
           </p:cNvPr>
@@ -3518,7 +3716,10 @@
           <a:bodyPr/>
           <a:lstStyle/>
           <a:p>
-            <a:endParaRPr lang="en-US" dirty="0"/>
+            <a:r>
+              <a:rPr lang="en-US" dirty="0"/>
+              <a:t>Control-Flow Graph</a:t>
+            </a:r>
           </a:p>
         </p:txBody>
       </p:sp>
@@ -3527,7 +3728,7 @@
           <p:cNvPr id="3" name="Content Placeholder 2">
             <a:extLst>
               <a:ext uri="{FF2B5EF4-FFF2-40B4-BE49-F238E27FC236}">
-                <a16:creationId xmlns:a16="http://schemas.microsoft.com/office/drawing/2014/main" id="{1FB5A187-A162-4D70-B7D4-134883635C81}"/>
+                <a16:creationId xmlns:a16="http://schemas.microsoft.com/office/drawing/2014/main" id="{CEDEF8ED-3539-42F1-9156-30B69F11B2AD}"/>
               </a:ext>
             </a:extLst>
           </p:cNvPr>
@@ -3545,13 +3746,34 @@
           <a:p>
             <a:r>
               <a:rPr lang="en-US" dirty="0"/>
-              <a:t>C front</a:t>
+              <a:t>A control flow graph is a type of internal representation for a compiler</a:t>
             </a:r>
           </a:p>
           <a:p>
             <a:r>
               <a:rPr lang="en-US" dirty="0"/>
-              <a:t>Project 3</a:t>
+              <a:t>Made of nodes and edges:</a:t>
+            </a:r>
+          </a:p>
+          <a:p>
+            <a:pPr lvl="1"/>
+            <a:r>
+              <a:rPr lang="en-US" dirty="0"/>
+              <a:t>A node is made with a basic block of code</a:t>
+            </a:r>
+          </a:p>
+          <a:p>
+            <a:pPr lvl="1"/>
+            <a:r>
+              <a:rPr lang="en-US" dirty="0"/>
+              <a:t>Basic block: a piece of code without any jumps or jump targets; each basic block has an entry point only at the beginning of the block, and an exit point only at the end of the block</a:t>
+            </a:r>
+          </a:p>
+          <a:p>
+            <a:pPr lvl="1"/>
+            <a:r>
+              <a:rPr lang="en-US" dirty="0"/>
+              <a:t>Directed edges represent the control flow of the program from each basic block to the others</a:t>
             </a:r>
           </a:p>
         </p:txBody>
@@ -3559,7 +3781,520 @@
     </p:spTree>
     <p:extLst>
       <p:ext uri="{BB962C8B-B14F-4D97-AF65-F5344CB8AC3E}">
-        <p14:creationId xmlns:p14="http://schemas.microsoft.com/office/powerpoint/2010/main" val="334356355"/>
+        <p14:creationId xmlns:p14="http://schemas.microsoft.com/office/powerpoint/2010/main" val="1306847537"/>
+      </p:ext>
+    </p:extLst>
+  </p:cSld>
+  <p:clrMapOvr>
+    <a:masterClrMapping/>
+  </p:clrMapOvr>
+</p:sld>
+</file>
+
+<file path=ppt/slides/slide4.xml><?xml version="1.0" encoding="utf-8"?>
+<p:sld xmlns:a="http://schemas.openxmlformats.org/drawingml/2006/main" xmlns:r="http://schemas.openxmlformats.org/officeDocument/2006/relationships" xmlns:p="http://schemas.openxmlformats.org/presentationml/2006/main">
+  <p:cSld>
+    <p:spTree>
+      <p:nvGrpSpPr>
+        <p:cNvPr id="1" name=""/>
+        <p:cNvGrpSpPr/>
+        <p:nvPr/>
+      </p:nvGrpSpPr>
+      <p:grpSpPr>
+        <a:xfrm>
+          <a:off x="0" y="0"/>
+          <a:ext cx="0" cy="0"/>
+          <a:chOff x="0" y="0"/>
+          <a:chExt cx="0" cy="0"/>
+        </a:xfrm>
+      </p:grpSpPr>
+      <p:sp>
+        <p:nvSpPr>
+          <p:cNvPr id="2" name="Title 1">
+            <a:extLst>
+              <a:ext uri="{FF2B5EF4-FFF2-40B4-BE49-F238E27FC236}">
+                <a16:creationId xmlns:a16="http://schemas.microsoft.com/office/drawing/2014/main" id="{368807F3-8C6E-452D-ABDD-C6F36AEF7F6F}"/>
+              </a:ext>
+            </a:extLst>
+          </p:cNvPr>
+          <p:cNvSpPr>
+            <a:spLocks noGrp="1"/>
+          </p:cNvSpPr>
+          <p:nvPr>
+            <p:ph type="title"/>
+          </p:nvPr>
+        </p:nvSpPr>
+        <p:spPr/>
+        <p:txBody>
+          <a:bodyPr/>
+          <a:lstStyle/>
+          <a:p>
+            <a:r>
+              <a:rPr lang="en-US" dirty="0"/>
+              <a:t>Control-Flow Graph Implementation</a:t>
+            </a:r>
+          </a:p>
+        </p:txBody>
+      </p:sp>
+      <p:sp>
+        <p:nvSpPr>
+          <p:cNvPr id="3" name="Content Placeholder 2">
+            <a:extLst>
+              <a:ext uri="{FF2B5EF4-FFF2-40B4-BE49-F238E27FC236}">
+                <a16:creationId xmlns:a16="http://schemas.microsoft.com/office/drawing/2014/main" id="{E55FA180-8609-4EA9-A7B5-FB312D0881BB}"/>
+              </a:ext>
+            </a:extLst>
+          </p:cNvPr>
+          <p:cNvSpPr>
+            <a:spLocks noGrp="1"/>
+          </p:cNvSpPr>
+          <p:nvPr>
+            <p:ph idx="1"/>
+          </p:nvPr>
+        </p:nvSpPr>
+        <p:spPr/>
+        <p:txBody>
+          <a:bodyPr/>
+          <a:lstStyle/>
+          <a:p>
+            <a:r>
+              <a:rPr lang="en-US" dirty="0"/>
+              <a:t>Can be implemented in Poet by traversing the AST</a:t>
+            </a:r>
+          </a:p>
+          <a:p>
+            <a:r>
+              <a:rPr lang="en-US" dirty="0"/>
+              <a:t>Identify ending of old basic blocks, beginning of new basic blocks, and create edges to connect the blocks together correctly</a:t>
+            </a:r>
+          </a:p>
+          <a:p>
+            <a:endParaRPr lang="en-US" dirty="0"/>
+          </a:p>
+        </p:txBody>
+      </p:sp>
+    </p:spTree>
+    <p:extLst>
+      <p:ext uri="{BB962C8B-B14F-4D97-AF65-F5344CB8AC3E}">
+        <p14:creationId xmlns:p14="http://schemas.microsoft.com/office/powerpoint/2010/main" val="3036761642"/>
+      </p:ext>
+    </p:extLst>
+  </p:cSld>
+  <p:clrMapOvr>
+    <a:masterClrMapping/>
+  </p:clrMapOvr>
+</p:sld>
+</file>
+
+<file path=ppt/slides/slide5.xml><?xml version="1.0" encoding="utf-8"?>
+<p:sld xmlns:a="http://schemas.openxmlformats.org/drawingml/2006/main" xmlns:r="http://schemas.openxmlformats.org/officeDocument/2006/relationships" xmlns:p="http://schemas.openxmlformats.org/presentationml/2006/main">
+  <p:cSld>
+    <p:spTree>
+      <p:nvGrpSpPr>
+        <p:cNvPr id="1" name=""/>
+        <p:cNvGrpSpPr/>
+        <p:nvPr/>
+      </p:nvGrpSpPr>
+      <p:grpSpPr>
+        <a:xfrm>
+          <a:off x="0" y="0"/>
+          <a:ext cx="0" cy="0"/>
+          <a:chOff x="0" y="0"/>
+          <a:chExt cx="0" cy="0"/>
+        </a:xfrm>
+      </p:grpSpPr>
+      <p:sp>
+        <p:nvSpPr>
+          <p:cNvPr id="2" name="Title 1">
+            <a:extLst>
+              <a:ext uri="{FF2B5EF4-FFF2-40B4-BE49-F238E27FC236}">
+                <a16:creationId xmlns:a16="http://schemas.microsoft.com/office/drawing/2014/main" id="{6BDBC797-76B9-4104-8FA2-ED194B2D17CE}"/>
+              </a:ext>
+            </a:extLst>
+          </p:cNvPr>
+          <p:cNvSpPr>
+            <a:spLocks noGrp="1"/>
+          </p:cNvSpPr>
+          <p:nvPr>
+            <p:ph type="title"/>
+          </p:nvPr>
+        </p:nvSpPr>
+        <p:spPr/>
+        <p:txBody>
+          <a:bodyPr/>
+          <a:lstStyle/>
+          <a:p>
+            <a:r>
+              <a:rPr lang="en-US" dirty="0"/>
+              <a:t>Value Numbering and Redundancy</a:t>
+            </a:r>
+          </a:p>
+        </p:txBody>
+      </p:sp>
+      <p:sp>
+        <p:nvSpPr>
+          <p:cNvPr id="3" name="Content Placeholder 2">
+            <a:extLst>
+              <a:ext uri="{FF2B5EF4-FFF2-40B4-BE49-F238E27FC236}">
+                <a16:creationId xmlns:a16="http://schemas.microsoft.com/office/drawing/2014/main" id="{A5A6973C-CC41-4CED-8DED-ECE9A24D12C4}"/>
+              </a:ext>
+            </a:extLst>
+          </p:cNvPr>
+          <p:cNvSpPr>
+            <a:spLocks noGrp="1"/>
+          </p:cNvSpPr>
+          <p:nvPr>
+            <p:ph idx="1"/>
+          </p:nvPr>
+        </p:nvSpPr>
+        <p:spPr/>
+        <p:txBody>
+          <a:bodyPr/>
+          <a:lstStyle/>
+          <a:p>
+            <a:r>
+              <a:rPr lang="en-US" dirty="0"/>
+              <a:t>A type of machine independent optimization for compilers in which redundant code, or expressions that are equivalent, are found and extra instances of the equivalent expressions are eliminated</a:t>
+            </a:r>
+          </a:p>
+          <a:p>
+            <a:r>
+              <a:rPr lang="en-US" dirty="0"/>
+              <a:t>As local optimization, it operates only on a single block at a time</a:t>
+            </a:r>
+          </a:p>
+          <a:p>
+            <a:endParaRPr lang="en-US" dirty="0"/>
+          </a:p>
+        </p:txBody>
+      </p:sp>
+    </p:spTree>
+    <p:extLst>
+      <p:ext uri="{BB962C8B-B14F-4D97-AF65-F5344CB8AC3E}">
+        <p14:creationId xmlns:p14="http://schemas.microsoft.com/office/powerpoint/2010/main" val="1051864633"/>
+      </p:ext>
+    </p:extLst>
+  </p:cSld>
+  <p:clrMapOvr>
+    <a:masterClrMapping/>
+  </p:clrMapOvr>
+</p:sld>
+</file>
+
+<file path=ppt/slides/slide6.xml><?xml version="1.0" encoding="utf-8"?>
+<p:sld xmlns:a="http://schemas.openxmlformats.org/drawingml/2006/main" xmlns:r="http://schemas.openxmlformats.org/officeDocument/2006/relationships" xmlns:p="http://schemas.openxmlformats.org/presentationml/2006/main">
+  <p:cSld>
+    <p:spTree>
+      <p:nvGrpSpPr>
+        <p:cNvPr id="1" name=""/>
+        <p:cNvGrpSpPr/>
+        <p:nvPr/>
+      </p:nvGrpSpPr>
+      <p:grpSpPr>
+        <a:xfrm>
+          <a:off x="0" y="0"/>
+          <a:ext cx="0" cy="0"/>
+          <a:chOff x="0" y="0"/>
+          <a:chExt cx="0" cy="0"/>
+        </a:xfrm>
+      </p:grpSpPr>
+      <p:sp>
+        <p:nvSpPr>
+          <p:cNvPr id="2" name="Title 1">
+            <a:extLst>
+              <a:ext uri="{FF2B5EF4-FFF2-40B4-BE49-F238E27FC236}">
+                <a16:creationId xmlns:a16="http://schemas.microsoft.com/office/drawing/2014/main" id="{2CDB517A-E98C-401E-828E-83EECEAC0C25}"/>
+              </a:ext>
+            </a:extLst>
+          </p:cNvPr>
+          <p:cNvSpPr>
+            <a:spLocks noGrp="1"/>
+          </p:cNvSpPr>
+          <p:nvPr>
+            <p:ph type="title"/>
+          </p:nvPr>
+        </p:nvSpPr>
+        <p:spPr/>
+        <p:txBody>
+          <a:bodyPr/>
+          <a:lstStyle/>
+          <a:p>
+            <a:r>
+              <a:rPr lang="en-US" dirty="0"/>
+              <a:t>Value Numbering Implementation</a:t>
+            </a:r>
+          </a:p>
+        </p:txBody>
+      </p:sp>
+      <p:sp>
+        <p:nvSpPr>
+          <p:cNvPr id="3" name="Content Placeholder 2">
+            <a:extLst>
+              <a:ext uri="{FF2B5EF4-FFF2-40B4-BE49-F238E27FC236}">
+                <a16:creationId xmlns:a16="http://schemas.microsoft.com/office/drawing/2014/main" id="{8D1B5646-BA48-406F-8E44-DB71F1993A5D}"/>
+              </a:ext>
+            </a:extLst>
+          </p:cNvPr>
+          <p:cNvSpPr>
+            <a:spLocks noGrp="1"/>
+          </p:cNvSpPr>
+          <p:nvPr>
+            <p:ph idx="1"/>
+          </p:nvPr>
+        </p:nvSpPr>
+        <p:spPr/>
+        <p:txBody>
+          <a:bodyPr/>
+          <a:lstStyle/>
+          <a:p>
+            <a:endParaRPr lang="en-US" dirty="0"/>
+          </a:p>
+        </p:txBody>
+      </p:sp>
+    </p:spTree>
+    <p:extLst>
+      <p:ext uri="{BB962C8B-B14F-4D97-AF65-F5344CB8AC3E}">
+        <p14:creationId xmlns:p14="http://schemas.microsoft.com/office/powerpoint/2010/main" val="2601188866"/>
+      </p:ext>
+    </p:extLst>
+  </p:cSld>
+  <p:clrMapOvr>
+    <a:masterClrMapping/>
+  </p:clrMapOvr>
+</p:sld>
+</file>
+
+<file path=ppt/slides/slide7.xml><?xml version="1.0" encoding="utf-8"?>
+<p:sld xmlns:a="http://schemas.openxmlformats.org/drawingml/2006/main" xmlns:r="http://schemas.openxmlformats.org/officeDocument/2006/relationships" xmlns:p="http://schemas.openxmlformats.org/presentationml/2006/main">
+  <p:cSld>
+    <p:spTree>
+      <p:nvGrpSpPr>
+        <p:cNvPr id="1" name=""/>
+        <p:cNvGrpSpPr/>
+        <p:nvPr/>
+      </p:nvGrpSpPr>
+      <p:grpSpPr>
+        <a:xfrm>
+          <a:off x="0" y="0"/>
+          <a:ext cx="0" cy="0"/>
+          <a:chOff x="0" y="0"/>
+          <a:chExt cx="0" cy="0"/>
+        </a:xfrm>
+      </p:grpSpPr>
+      <p:sp>
+        <p:nvSpPr>
+          <p:cNvPr id="2" name="Title 1">
+            <a:extLst>
+              <a:ext uri="{FF2B5EF4-FFF2-40B4-BE49-F238E27FC236}">
+                <a16:creationId xmlns:a16="http://schemas.microsoft.com/office/drawing/2014/main" id="{9224A775-DF7D-4E11-B4CE-5EB4FE2358E1}"/>
+              </a:ext>
+            </a:extLst>
+          </p:cNvPr>
+          <p:cNvSpPr>
+            <a:spLocks noGrp="1"/>
+          </p:cNvSpPr>
+          <p:nvPr>
+            <p:ph type="title"/>
+          </p:nvPr>
+        </p:nvSpPr>
+        <p:spPr/>
+        <p:txBody>
+          <a:bodyPr/>
+          <a:lstStyle/>
+          <a:p>
+            <a:endParaRPr lang="en-US"/>
+          </a:p>
+        </p:txBody>
+      </p:sp>
+      <p:sp>
+        <p:nvSpPr>
+          <p:cNvPr id="3" name="Content Placeholder 2">
+            <a:extLst>
+              <a:ext uri="{FF2B5EF4-FFF2-40B4-BE49-F238E27FC236}">
+                <a16:creationId xmlns:a16="http://schemas.microsoft.com/office/drawing/2014/main" id="{FA74D56F-8B29-43C6-9592-58E8343CBC85}"/>
+              </a:ext>
+            </a:extLst>
+          </p:cNvPr>
+          <p:cNvSpPr>
+            <a:spLocks noGrp="1"/>
+          </p:cNvSpPr>
+          <p:nvPr>
+            <p:ph idx="1"/>
+          </p:nvPr>
+        </p:nvSpPr>
+        <p:spPr/>
+        <p:txBody>
+          <a:bodyPr/>
+          <a:lstStyle/>
+          <a:p>
+            <a:endParaRPr lang="en-US"/>
+          </a:p>
+        </p:txBody>
+      </p:sp>
+    </p:spTree>
+    <p:extLst>
+      <p:ext uri="{BB962C8B-B14F-4D97-AF65-F5344CB8AC3E}">
+        <p14:creationId xmlns:p14="http://schemas.microsoft.com/office/powerpoint/2010/main" val="404028214"/>
+      </p:ext>
+    </p:extLst>
+  </p:cSld>
+  <p:clrMapOvr>
+    <a:masterClrMapping/>
+  </p:clrMapOvr>
+</p:sld>
+</file>
+
+<file path=ppt/slides/slide8.xml><?xml version="1.0" encoding="utf-8"?>
+<p:sld xmlns:a="http://schemas.openxmlformats.org/drawingml/2006/main" xmlns:r="http://schemas.openxmlformats.org/officeDocument/2006/relationships" xmlns:p="http://schemas.openxmlformats.org/presentationml/2006/main">
+  <p:cSld>
+    <p:spTree>
+      <p:nvGrpSpPr>
+        <p:cNvPr id="1" name=""/>
+        <p:cNvGrpSpPr/>
+        <p:nvPr/>
+      </p:nvGrpSpPr>
+      <p:grpSpPr>
+        <a:xfrm>
+          <a:off x="0" y="0"/>
+          <a:ext cx="0" cy="0"/>
+          <a:chOff x="0" y="0"/>
+          <a:chExt cx="0" cy="0"/>
+        </a:xfrm>
+      </p:grpSpPr>
+      <p:sp>
+        <p:nvSpPr>
+          <p:cNvPr id="2" name="Title 1">
+            <a:extLst>
+              <a:ext uri="{FF2B5EF4-FFF2-40B4-BE49-F238E27FC236}">
+                <a16:creationId xmlns:a16="http://schemas.microsoft.com/office/drawing/2014/main" id="{56B0770A-5D80-425A-A90B-8EDF845309C6}"/>
+              </a:ext>
+            </a:extLst>
+          </p:cNvPr>
+          <p:cNvSpPr>
+            <a:spLocks noGrp="1"/>
+          </p:cNvSpPr>
+          <p:nvPr>
+            <p:ph type="title"/>
+          </p:nvPr>
+        </p:nvSpPr>
+        <p:spPr/>
+        <p:txBody>
+          <a:bodyPr/>
+          <a:lstStyle/>
+          <a:p>
+            <a:endParaRPr lang="en-US"/>
+          </a:p>
+        </p:txBody>
+      </p:sp>
+      <p:sp>
+        <p:nvSpPr>
+          <p:cNvPr id="3" name="Content Placeholder 2">
+            <a:extLst>
+              <a:ext uri="{FF2B5EF4-FFF2-40B4-BE49-F238E27FC236}">
+                <a16:creationId xmlns:a16="http://schemas.microsoft.com/office/drawing/2014/main" id="{91CA47A2-C16D-4E84-8002-D3F6EBF171BF}"/>
+              </a:ext>
+            </a:extLst>
+          </p:cNvPr>
+          <p:cNvSpPr>
+            <a:spLocks noGrp="1"/>
+          </p:cNvSpPr>
+          <p:nvPr>
+            <p:ph idx="1"/>
+          </p:nvPr>
+        </p:nvSpPr>
+        <p:spPr/>
+        <p:txBody>
+          <a:bodyPr/>
+          <a:lstStyle/>
+          <a:p>
+            <a:endParaRPr lang="en-US"/>
+          </a:p>
+        </p:txBody>
+      </p:sp>
+    </p:spTree>
+    <p:extLst>
+      <p:ext uri="{BB962C8B-B14F-4D97-AF65-F5344CB8AC3E}">
+        <p14:creationId xmlns:p14="http://schemas.microsoft.com/office/powerpoint/2010/main" val="1392905405"/>
+      </p:ext>
+    </p:extLst>
+  </p:cSld>
+  <p:clrMapOvr>
+    <a:masterClrMapping/>
+  </p:clrMapOvr>
+</p:sld>
+</file>
+
+<file path=ppt/slides/slide9.xml><?xml version="1.0" encoding="utf-8"?>
+<p:sld xmlns:a="http://schemas.openxmlformats.org/drawingml/2006/main" xmlns:r="http://schemas.openxmlformats.org/officeDocument/2006/relationships" xmlns:p="http://schemas.openxmlformats.org/presentationml/2006/main">
+  <p:cSld>
+    <p:spTree>
+      <p:nvGrpSpPr>
+        <p:cNvPr id="1" name=""/>
+        <p:cNvGrpSpPr/>
+        <p:nvPr/>
+      </p:nvGrpSpPr>
+      <p:grpSpPr>
+        <a:xfrm>
+          <a:off x="0" y="0"/>
+          <a:ext cx="0" cy="0"/>
+          <a:chOff x="0" y="0"/>
+          <a:chExt cx="0" cy="0"/>
+        </a:xfrm>
+      </p:grpSpPr>
+      <p:sp>
+        <p:nvSpPr>
+          <p:cNvPr id="2" name="Title 1">
+            <a:extLst>
+              <a:ext uri="{FF2B5EF4-FFF2-40B4-BE49-F238E27FC236}">
+                <a16:creationId xmlns:a16="http://schemas.microsoft.com/office/drawing/2014/main" id="{AF6CF684-1AA1-4A84-83E1-9962A36CD676}"/>
+              </a:ext>
+            </a:extLst>
+          </p:cNvPr>
+          <p:cNvSpPr>
+            <a:spLocks noGrp="1"/>
+          </p:cNvSpPr>
+          <p:nvPr>
+            <p:ph type="title"/>
+          </p:nvPr>
+        </p:nvSpPr>
+        <p:spPr/>
+        <p:txBody>
+          <a:bodyPr/>
+          <a:lstStyle/>
+          <a:p>
+            <a:endParaRPr lang="en-US"/>
+          </a:p>
+        </p:txBody>
+      </p:sp>
+      <p:sp>
+        <p:nvSpPr>
+          <p:cNvPr id="3" name="Content Placeholder 2">
+            <a:extLst>
+              <a:ext uri="{FF2B5EF4-FFF2-40B4-BE49-F238E27FC236}">
+                <a16:creationId xmlns:a16="http://schemas.microsoft.com/office/drawing/2014/main" id="{B9A4CD58-EE75-4058-A779-1FF799FA5C6F}"/>
+              </a:ext>
+            </a:extLst>
+          </p:cNvPr>
+          <p:cNvSpPr>
+            <a:spLocks noGrp="1"/>
+          </p:cNvSpPr>
+          <p:nvPr>
+            <p:ph idx="1"/>
+          </p:nvPr>
+        </p:nvSpPr>
+        <p:spPr/>
+        <p:txBody>
+          <a:bodyPr/>
+          <a:lstStyle/>
+          <a:p>
+            <a:endParaRPr lang="en-US"/>
+          </a:p>
+        </p:txBody>
+      </p:sp>
+    </p:spTree>
+    <p:extLst>
+      <p:ext uri="{BB962C8B-B14F-4D97-AF65-F5344CB8AC3E}">
+        <p14:creationId xmlns:p14="http://schemas.microsoft.com/office/powerpoint/2010/main" val="674049756"/>
       </p:ext>
     </p:extLst>
   </p:cSld>
